--- a/Slides/Unit 5 - Graphs.pptx
+++ b/Slides/Unit 5 - Graphs.pptx
@@ -12151,6 +12151,11 @@
             <a:off x="677334" y="1290919"/>
             <a:ext cx="8596668" cy="4750444"/>
           </a:xfrm>
+          <a:ln>
+            <a:solidFill>
+              <a:schemeClr val="tx1"/>
+            </a:solidFill>
+          </a:ln>
         </p:spPr>
         <p:txBody>
           <a:bodyPr>
@@ -12179,7 +12184,7 @@
             </a:br>
             <a:r>
               <a:rPr lang="pt-BR" sz="2500" dirty="0">
-                <a:latin typeface="Courier New" panose="02070309020205020404" pitchFamily="49" charset="0"/>
+                <a:latin typeface="Consolas" panose="020B0609020204030204" pitchFamily="49" charset="0"/>
                 <a:cs typeface="Courier New" panose="02070309020205020404" pitchFamily="49" charset="0"/>
               </a:rPr>
               <a:t>Breadth-First-Search(Graph, root)</a:t>
@@ -12191,7 +12196,7 @@
             </a:pPr>
             <a:r>
               <a:rPr lang="pt-BR" sz="2500" dirty="0">
-                <a:latin typeface="Courier New" panose="02070309020205020404" pitchFamily="49" charset="0"/>
+                <a:latin typeface="Consolas" panose="020B0609020204030204" pitchFamily="49" charset="0"/>
                 <a:cs typeface="Courier New" panose="02070309020205020404" pitchFamily="49" charset="0"/>
               </a:rPr>
               <a:t>    for each node n in Graph:            </a:t>
@@ -12203,7 +12208,7 @@
             </a:pPr>
             <a:r>
               <a:rPr lang="pt-BR" sz="2500" dirty="0">
-                <a:latin typeface="Courier New" panose="02070309020205020404" pitchFamily="49" charset="0"/>
+                <a:latin typeface="Consolas" panose="020B0609020204030204" pitchFamily="49" charset="0"/>
                 <a:cs typeface="Courier New" panose="02070309020205020404" pitchFamily="49" charset="0"/>
               </a:rPr>
               <a:t>        n.distance = INFINITY        </a:t>
@@ -12215,7 +12220,7 @@
             </a:pPr>
             <a:r>
               <a:rPr lang="pt-BR" sz="2500" dirty="0">
-                <a:latin typeface="Courier New" panose="02070309020205020404" pitchFamily="49" charset="0"/>
+                <a:latin typeface="Consolas" panose="020B0609020204030204" pitchFamily="49" charset="0"/>
                 <a:cs typeface="Courier New" panose="02070309020205020404" pitchFamily="49" charset="0"/>
               </a:rPr>
               <a:t>        n.parent = NIL</a:t>
@@ -12227,7 +12232,7 @@
             </a:pPr>
             <a:r>
               <a:rPr lang="pt-BR" sz="2500" dirty="0">
-                <a:latin typeface="Courier New" panose="02070309020205020404" pitchFamily="49" charset="0"/>
+                <a:latin typeface="Consolas" panose="020B0609020204030204" pitchFamily="49" charset="0"/>
                 <a:cs typeface="Courier New" panose="02070309020205020404" pitchFamily="49" charset="0"/>
               </a:rPr>
               <a:t>    create empty queue Q      </a:t>
@@ -12239,7 +12244,7 @@
             </a:pPr>
             <a:r>
               <a:rPr lang="pt-BR" sz="2500" dirty="0">
-                <a:latin typeface="Courier New" panose="02070309020205020404" pitchFamily="49" charset="0"/>
+                <a:latin typeface="Consolas" panose="020B0609020204030204" pitchFamily="49" charset="0"/>
                 <a:cs typeface="Courier New" panose="02070309020205020404" pitchFamily="49" charset="0"/>
               </a:rPr>
               <a:t>    root.distance = 0</a:t>
@@ -12251,7 +12256,7 @@
             </a:pPr>
             <a:r>
               <a:rPr lang="pt-BR" sz="2500" dirty="0">
-                <a:latin typeface="Courier New" panose="02070309020205020404" pitchFamily="49" charset="0"/>
+                <a:latin typeface="Consolas" panose="020B0609020204030204" pitchFamily="49" charset="0"/>
                 <a:cs typeface="Courier New" panose="02070309020205020404" pitchFamily="49" charset="0"/>
               </a:rPr>
               <a:t>    Q.enqueue(root)                      </a:t>
@@ -12263,7 +12268,7 @@
             </a:pPr>
             <a:r>
               <a:rPr lang="pt-BR" sz="2500" dirty="0">
-                <a:latin typeface="Courier New" panose="02070309020205020404" pitchFamily="49" charset="0"/>
+                <a:latin typeface="Consolas" panose="020B0609020204030204" pitchFamily="49" charset="0"/>
                 <a:cs typeface="Courier New" panose="02070309020205020404" pitchFamily="49" charset="0"/>
               </a:rPr>
               <a:t>    while Q is not empty:        </a:t>
@@ -12275,7 +12280,7 @@
             </a:pPr>
             <a:r>
               <a:rPr lang="pt-BR" sz="2500" dirty="0">
-                <a:latin typeface="Courier New" panose="02070309020205020404" pitchFamily="49" charset="0"/>
+                <a:latin typeface="Consolas" panose="020B0609020204030204" pitchFamily="49" charset="0"/>
                 <a:cs typeface="Courier New" panose="02070309020205020404" pitchFamily="49" charset="0"/>
               </a:rPr>
               <a:t>        current = Q.dequeue()</a:t>
@@ -12287,7 +12292,7 @@
             </a:pPr>
             <a:r>
               <a:rPr lang="pt-BR" sz="2500" dirty="0">
-                <a:latin typeface="Courier New" panose="02070309020205020404" pitchFamily="49" charset="0"/>
+                <a:latin typeface="Consolas" panose="020B0609020204030204" pitchFamily="49" charset="0"/>
                 <a:cs typeface="Courier New" panose="02070309020205020404" pitchFamily="49" charset="0"/>
               </a:rPr>
               <a:t>        for each node n that is adjacent to current:</a:t>
@@ -12299,7 +12304,7 @@
             </a:pPr>
             <a:r>
               <a:rPr lang="pt-BR" sz="2500" dirty="0">
-                <a:latin typeface="Courier New" panose="02070309020205020404" pitchFamily="49" charset="0"/>
+                <a:latin typeface="Consolas" panose="020B0609020204030204" pitchFamily="49" charset="0"/>
                 <a:cs typeface="Courier New" panose="02070309020205020404" pitchFamily="49" charset="0"/>
               </a:rPr>
               <a:t>            if n.distance == INFINITY:</a:t>
@@ -12311,7 +12316,7 @@
             </a:pPr>
             <a:r>
               <a:rPr lang="pt-BR" sz="2500" dirty="0">
-                <a:latin typeface="Courier New" panose="02070309020205020404" pitchFamily="49" charset="0"/>
+                <a:latin typeface="Consolas" panose="020B0609020204030204" pitchFamily="49" charset="0"/>
                 <a:cs typeface="Courier New" panose="02070309020205020404" pitchFamily="49" charset="0"/>
               </a:rPr>
               <a:t>                n.distance = current.distance + 1</a:t>
@@ -12323,7 +12328,7 @@
             </a:pPr>
             <a:r>
               <a:rPr lang="pt-BR" sz="2500" dirty="0">
-                <a:latin typeface="Courier New" panose="02070309020205020404" pitchFamily="49" charset="0"/>
+                <a:latin typeface="Consolas" panose="020B0609020204030204" pitchFamily="49" charset="0"/>
                 <a:cs typeface="Courier New" panose="02070309020205020404" pitchFamily="49" charset="0"/>
               </a:rPr>
               <a:t>                n.parent = current</a:t>
@@ -12335,15 +12340,11 @@
             </a:pPr>
             <a:r>
               <a:rPr lang="pt-BR" sz="2500" dirty="0">
-                <a:latin typeface="Courier New" panose="02070309020205020404" pitchFamily="49" charset="0"/>
+                <a:latin typeface="Consolas" panose="020B0609020204030204" pitchFamily="49" charset="0"/>
                 <a:cs typeface="Courier New" panose="02070309020205020404" pitchFamily="49" charset="0"/>
               </a:rPr>
               <a:t>                Q.enqueue(n)</a:t>
             </a:r>
-            <a:endParaRPr lang="pt-BR" sz="2500" dirty="0">
-              <a:latin typeface="Courier New" panose="02070309020205020404" pitchFamily="49" charset="0"/>
-              <a:cs typeface="Courier New" panose="02070309020205020404" pitchFamily="49" charset="0"/>
-            </a:endParaRPr>
           </a:p>
           <a:p>
             <a:pPr lvl="1"/>
@@ -13703,6 +13704,11 @@
             <a:off x="677334" y="1237129"/>
             <a:ext cx="8596668" cy="4804233"/>
           </a:xfrm>
+          <a:ln>
+            <a:solidFill>
+              <a:schemeClr val="tx1"/>
+            </a:solidFill>
+          </a:ln>
         </p:spPr>
         <p:txBody>
           <a:bodyPr>
@@ -13727,21 +13733,21 @@
             </a:br>
             <a:r>
               <a:rPr lang="en-US" sz="1600" dirty="0">
-                <a:latin typeface="Courier New" panose="02070309020205020404" pitchFamily="49" charset="0"/>
+                <a:latin typeface="Consolas" panose="020B0609020204030204" pitchFamily="49" charset="0"/>
                 <a:cs typeface="Courier New" panose="02070309020205020404" pitchFamily="49" charset="0"/>
               </a:rPr>
               <a:t>procedure DFS-iterative(</a:t>
             </a:r>
             <a:r>
               <a:rPr lang="en-US" sz="1600" dirty="0" err="1">
-                <a:latin typeface="Courier New" panose="02070309020205020404" pitchFamily="49" charset="0"/>
+                <a:latin typeface="Consolas" panose="020B0609020204030204" pitchFamily="49" charset="0"/>
                 <a:cs typeface="Courier New" panose="02070309020205020404" pitchFamily="49" charset="0"/>
               </a:rPr>
               <a:t>G,v</a:t>
             </a:r>
             <a:r>
               <a:rPr lang="en-US" sz="1600" dirty="0">
-                <a:latin typeface="Courier New" panose="02070309020205020404" pitchFamily="49" charset="0"/>
+                <a:latin typeface="Consolas" panose="020B0609020204030204" pitchFamily="49" charset="0"/>
                 <a:cs typeface="Courier New" panose="02070309020205020404" pitchFamily="49" charset="0"/>
               </a:rPr>
               <a:t>):</a:t>
@@ -13753,7 +13759,7 @@
             </a:pPr>
             <a:r>
               <a:rPr lang="en-US" sz="1600" dirty="0">
-                <a:latin typeface="Courier New" panose="02070309020205020404" pitchFamily="49" charset="0"/>
+                <a:latin typeface="Consolas" panose="020B0609020204030204" pitchFamily="49" charset="0"/>
                 <a:cs typeface="Courier New" panose="02070309020205020404" pitchFamily="49" charset="0"/>
               </a:rPr>
               <a:t>  let S be a stack</a:t>
@@ -13765,21 +13771,21 @@
             </a:pPr>
             <a:r>
               <a:rPr lang="en-US" sz="1600" dirty="0">
-                <a:latin typeface="Courier New" panose="02070309020205020404" pitchFamily="49" charset="0"/>
+                <a:latin typeface="Consolas" panose="020B0609020204030204" pitchFamily="49" charset="0"/>
                 <a:cs typeface="Courier New" panose="02070309020205020404" pitchFamily="49" charset="0"/>
               </a:rPr>
               <a:t>  </a:t>
             </a:r>
             <a:r>
               <a:rPr lang="en-US" sz="1600" dirty="0" err="1">
-                <a:latin typeface="Courier New" panose="02070309020205020404" pitchFamily="49" charset="0"/>
+                <a:latin typeface="Consolas" panose="020B0609020204030204" pitchFamily="49" charset="0"/>
                 <a:cs typeface="Courier New" panose="02070309020205020404" pitchFamily="49" charset="0"/>
               </a:rPr>
               <a:t>S.push</a:t>
             </a:r>
             <a:r>
               <a:rPr lang="en-US" sz="1600" dirty="0">
-                <a:latin typeface="Courier New" panose="02070309020205020404" pitchFamily="49" charset="0"/>
+                <a:latin typeface="Consolas" panose="020B0609020204030204" pitchFamily="49" charset="0"/>
                 <a:cs typeface="Courier New" panose="02070309020205020404" pitchFamily="49" charset="0"/>
               </a:rPr>
               <a:t>(v)</a:t>
@@ -13791,7 +13797,7 @@
             </a:pPr>
             <a:r>
               <a:rPr lang="en-US" sz="1600" dirty="0">
-                <a:latin typeface="Courier New" panose="02070309020205020404" pitchFamily="49" charset="0"/>
+                <a:latin typeface="Consolas" panose="020B0609020204030204" pitchFamily="49" charset="0"/>
                 <a:cs typeface="Courier New" panose="02070309020205020404" pitchFamily="49" charset="0"/>
               </a:rPr>
               <a:t>  while S is not empty</a:t>
@@ -13803,21 +13809,21 @@
             </a:pPr>
             <a:r>
               <a:rPr lang="en-US" sz="1600" dirty="0">
-                <a:latin typeface="Courier New" panose="02070309020205020404" pitchFamily="49" charset="0"/>
+                <a:latin typeface="Consolas" panose="020B0609020204030204" pitchFamily="49" charset="0"/>
                 <a:cs typeface="Courier New" panose="02070309020205020404" pitchFamily="49" charset="0"/>
               </a:rPr>
               <a:t>      v = </a:t>
             </a:r>
             <a:r>
               <a:rPr lang="en-US" sz="1600" dirty="0" err="1">
-                <a:latin typeface="Courier New" panose="02070309020205020404" pitchFamily="49" charset="0"/>
+                <a:latin typeface="Consolas" panose="020B0609020204030204" pitchFamily="49" charset="0"/>
                 <a:cs typeface="Courier New" panose="02070309020205020404" pitchFamily="49" charset="0"/>
               </a:rPr>
               <a:t>S.pop</a:t>
             </a:r>
             <a:r>
               <a:rPr lang="en-US" sz="1600" dirty="0">
-                <a:latin typeface="Courier New" panose="02070309020205020404" pitchFamily="49" charset="0"/>
+                <a:latin typeface="Consolas" panose="020B0609020204030204" pitchFamily="49" charset="0"/>
                 <a:cs typeface="Courier New" panose="02070309020205020404" pitchFamily="49" charset="0"/>
               </a:rPr>
               <a:t>()</a:t>
@@ -13829,7 +13835,7 @@
             </a:pPr>
             <a:r>
               <a:rPr lang="en-US" sz="1600" dirty="0">
-                <a:latin typeface="Courier New" panose="02070309020205020404" pitchFamily="49" charset="0"/>
+                <a:latin typeface="Consolas" panose="020B0609020204030204" pitchFamily="49" charset="0"/>
                 <a:cs typeface="Courier New" panose="02070309020205020404" pitchFamily="49" charset="0"/>
               </a:rPr>
               <a:t>      if v is not labeled as discovered:</a:t>
@@ -13841,7 +13847,7 @@
             </a:pPr>
             <a:r>
               <a:rPr lang="en-US" sz="1600" dirty="0">
-                <a:latin typeface="Courier New" panose="02070309020205020404" pitchFamily="49" charset="0"/>
+                <a:latin typeface="Consolas" panose="020B0609020204030204" pitchFamily="49" charset="0"/>
                 <a:cs typeface="Courier New" panose="02070309020205020404" pitchFamily="49" charset="0"/>
               </a:rPr>
               <a:t>          label v as discovered</a:t>
@@ -13853,21 +13859,21 @@
             </a:pPr>
             <a:r>
               <a:rPr lang="en-US" sz="1600" dirty="0">
-                <a:latin typeface="Courier New" panose="02070309020205020404" pitchFamily="49" charset="0"/>
+                <a:latin typeface="Consolas" panose="020B0609020204030204" pitchFamily="49" charset="0"/>
                 <a:cs typeface="Courier New" panose="02070309020205020404" pitchFamily="49" charset="0"/>
               </a:rPr>
               <a:t>          for all edges from v to w in </a:t>
             </a:r>
             <a:r>
               <a:rPr lang="en-US" sz="1600" dirty="0" err="1">
-                <a:latin typeface="Courier New" panose="02070309020205020404" pitchFamily="49" charset="0"/>
+                <a:latin typeface="Consolas" panose="020B0609020204030204" pitchFamily="49" charset="0"/>
                 <a:cs typeface="Courier New" panose="02070309020205020404" pitchFamily="49" charset="0"/>
               </a:rPr>
               <a:t>G.adjacentEdges</a:t>
             </a:r>
             <a:r>
               <a:rPr lang="en-US" sz="1600" dirty="0">
-                <a:latin typeface="Courier New" panose="02070309020205020404" pitchFamily="49" charset="0"/>
+                <a:latin typeface="Consolas" panose="020B0609020204030204" pitchFamily="49" charset="0"/>
                 <a:cs typeface="Courier New" panose="02070309020205020404" pitchFamily="49" charset="0"/>
               </a:rPr>
               <a:t>(v) do</a:t>
@@ -13879,27 +13885,27 @@
             </a:pPr>
             <a:r>
               <a:rPr lang="en-US" sz="1600" dirty="0">
-                <a:latin typeface="Courier New" panose="02070309020205020404" pitchFamily="49" charset="0"/>
+                <a:latin typeface="Consolas" panose="020B0609020204030204" pitchFamily="49" charset="0"/>
                 <a:cs typeface="Courier New" panose="02070309020205020404" pitchFamily="49" charset="0"/>
               </a:rPr>
               <a:t>             </a:t>
             </a:r>
             <a:r>
               <a:rPr lang="en-US" sz="1600" dirty="0" err="1">
-                <a:latin typeface="Courier New" panose="02070309020205020404" pitchFamily="49" charset="0"/>
+                <a:latin typeface="Consolas" panose="020B0609020204030204" pitchFamily="49" charset="0"/>
                 <a:cs typeface="Courier New" panose="02070309020205020404" pitchFamily="49" charset="0"/>
               </a:rPr>
               <a:t>S.push</a:t>
             </a:r>
             <a:r>
               <a:rPr lang="en-US" sz="1600" dirty="0">
-                <a:latin typeface="Courier New" panose="02070309020205020404" pitchFamily="49" charset="0"/>
+                <a:latin typeface="Consolas" panose="020B0609020204030204" pitchFamily="49" charset="0"/>
                 <a:cs typeface="Courier New" panose="02070309020205020404" pitchFamily="49" charset="0"/>
               </a:rPr>
               <a:t>(w)</a:t>
             </a:r>
             <a:endParaRPr lang="it-IT" sz="1600" dirty="0">
-              <a:latin typeface="Courier New" panose="02070309020205020404" pitchFamily="49" charset="0"/>
+              <a:latin typeface="Consolas" panose="020B0609020204030204" pitchFamily="49" charset="0"/>
               <a:cs typeface="Courier New" panose="02070309020205020404" pitchFamily="49" charset="0"/>
             </a:endParaRPr>
           </a:p>
@@ -37375,6 +37381,11 @@
             <a:off x="677334" y="1559859"/>
             <a:ext cx="8596668" cy="4481503"/>
           </a:xfrm>
+          <a:ln>
+            <a:solidFill>
+              <a:schemeClr val="tx1"/>
+            </a:solidFill>
+          </a:ln>
         </p:spPr>
         <p:txBody>
           <a:bodyPr>
@@ -37387,7 +37398,7 @@
             </a:pPr>
             <a:r>
               <a:rPr lang="en-US" dirty="0">
-                <a:latin typeface="Courier New" panose="02070309020205020404" pitchFamily="49" charset="0"/>
+                <a:latin typeface="Consolas" panose="020B0609020204030204" pitchFamily="49" charset="0"/>
                 <a:cs typeface="Courier New" panose="02070309020205020404" pitchFamily="49" charset="0"/>
               </a:rPr>
               <a:t>function Dijkstra(Graph, source):</a:t>
@@ -37399,7 +37410,7 @@
             </a:pPr>
             <a:r>
               <a:rPr lang="en-US" dirty="0">
-                <a:latin typeface="Courier New" panose="02070309020205020404" pitchFamily="49" charset="0"/>
+                <a:latin typeface="Consolas" panose="020B0609020204030204" pitchFamily="49" charset="0"/>
                 <a:cs typeface="Courier New" panose="02070309020205020404" pitchFamily="49" charset="0"/>
               </a:rPr>
               <a:t>    create vertex set Q</a:t>
@@ -37411,7 +37422,7 @@
             </a:pPr>
             <a:r>
               <a:rPr lang="en-US" dirty="0">
-                <a:latin typeface="Courier New" panose="02070309020205020404" pitchFamily="49" charset="0"/>
+                <a:latin typeface="Consolas" panose="020B0609020204030204" pitchFamily="49" charset="0"/>
                 <a:cs typeface="Courier New" panose="02070309020205020404" pitchFamily="49" charset="0"/>
               </a:rPr>
               <a:t>    for each vertex v in Graph:             // Initialization</a:t>
@@ -37423,21 +37434,21 @@
             </a:pPr>
             <a:r>
               <a:rPr lang="en-US" dirty="0">
-                <a:latin typeface="Courier New" panose="02070309020205020404" pitchFamily="49" charset="0"/>
+                <a:latin typeface="Consolas" panose="020B0609020204030204" pitchFamily="49" charset="0"/>
                 <a:cs typeface="Courier New" panose="02070309020205020404" pitchFamily="49" charset="0"/>
               </a:rPr>
               <a:t>        </a:t>
             </a:r>
             <a:r>
               <a:rPr lang="en-US" dirty="0" err="1">
-                <a:latin typeface="Courier New" panose="02070309020205020404" pitchFamily="49" charset="0"/>
+                <a:latin typeface="Consolas" panose="020B0609020204030204" pitchFamily="49" charset="0"/>
                 <a:cs typeface="Courier New" panose="02070309020205020404" pitchFamily="49" charset="0"/>
               </a:rPr>
               <a:t>dist</a:t>
             </a:r>
             <a:r>
               <a:rPr lang="en-US" dirty="0">
-                <a:latin typeface="Courier New" panose="02070309020205020404" pitchFamily="49" charset="0"/>
+                <a:latin typeface="Consolas" panose="020B0609020204030204" pitchFamily="49" charset="0"/>
                 <a:cs typeface="Courier New" panose="02070309020205020404" pitchFamily="49" charset="0"/>
               </a:rPr>
               <a:t>[v] ← INFINITY                  // Unknown distance from source to v</a:t>
@@ -37449,21 +37460,21 @@
             </a:pPr>
             <a:r>
               <a:rPr lang="en-US" dirty="0">
-                <a:latin typeface="Courier New" panose="02070309020205020404" pitchFamily="49" charset="0"/>
+                <a:latin typeface="Consolas" panose="020B0609020204030204" pitchFamily="49" charset="0"/>
                 <a:cs typeface="Courier New" panose="02070309020205020404" pitchFamily="49" charset="0"/>
               </a:rPr>
               <a:t>        </a:t>
             </a:r>
             <a:r>
               <a:rPr lang="en-US" dirty="0" err="1">
-                <a:latin typeface="Courier New" panose="02070309020205020404" pitchFamily="49" charset="0"/>
+                <a:latin typeface="Consolas" panose="020B0609020204030204" pitchFamily="49" charset="0"/>
                 <a:cs typeface="Courier New" panose="02070309020205020404" pitchFamily="49" charset="0"/>
               </a:rPr>
               <a:t>prev</a:t>
             </a:r>
             <a:r>
               <a:rPr lang="en-US" dirty="0">
-                <a:latin typeface="Courier New" panose="02070309020205020404" pitchFamily="49" charset="0"/>
+                <a:latin typeface="Consolas" panose="020B0609020204030204" pitchFamily="49" charset="0"/>
                 <a:cs typeface="Courier New" panose="02070309020205020404" pitchFamily="49" charset="0"/>
               </a:rPr>
               <a:t>[v] ← UNDEFINED                 // Previous node in optimal path from source</a:t>
@@ -37475,7 +37486,7 @@
             </a:pPr>
             <a:r>
               <a:rPr lang="en-US" dirty="0">
-                <a:latin typeface="Courier New" panose="02070309020205020404" pitchFamily="49" charset="0"/>
+                <a:latin typeface="Consolas" panose="020B0609020204030204" pitchFamily="49" charset="0"/>
                 <a:cs typeface="Courier New" panose="02070309020205020404" pitchFamily="49" charset="0"/>
               </a:rPr>
               <a:t>        add v to Q                          // All nodes initially in Q (unvisited nodes)</a:t>
@@ -37487,21 +37498,21 @@
             </a:pPr>
             <a:r>
               <a:rPr lang="en-US" dirty="0">
-                <a:latin typeface="Courier New" panose="02070309020205020404" pitchFamily="49" charset="0"/>
+                <a:latin typeface="Consolas" panose="020B0609020204030204" pitchFamily="49" charset="0"/>
                 <a:cs typeface="Courier New" panose="02070309020205020404" pitchFamily="49" charset="0"/>
               </a:rPr>
               <a:t>    </a:t>
             </a:r>
             <a:r>
               <a:rPr lang="en-US" dirty="0" err="1">
-                <a:latin typeface="Courier New" panose="02070309020205020404" pitchFamily="49" charset="0"/>
+                <a:latin typeface="Consolas" panose="020B0609020204030204" pitchFamily="49" charset="0"/>
                 <a:cs typeface="Courier New" panose="02070309020205020404" pitchFamily="49" charset="0"/>
               </a:rPr>
               <a:t>dist</a:t>
             </a:r>
             <a:r>
               <a:rPr lang="en-US" dirty="0">
-                <a:latin typeface="Courier New" panose="02070309020205020404" pitchFamily="49" charset="0"/>
+                <a:latin typeface="Consolas" panose="020B0609020204030204" pitchFamily="49" charset="0"/>
                 <a:cs typeface="Courier New" panose="02070309020205020404" pitchFamily="49" charset="0"/>
               </a:rPr>
               <a:t>[source] ← 0                        // Distance from source to source  </a:t>
@@ -37513,7 +37524,7 @@
             </a:pPr>
             <a:r>
               <a:rPr lang="en-US" dirty="0">
-                <a:latin typeface="Courier New" panose="02070309020205020404" pitchFamily="49" charset="0"/>
+                <a:latin typeface="Consolas" panose="020B0609020204030204" pitchFamily="49" charset="0"/>
                 <a:cs typeface="Courier New" panose="02070309020205020404" pitchFamily="49" charset="0"/>
               </a:rPr>
               <a:t>    while Q is not empty:</a:t>
@@ -37525,21 +37536,21 @@
             </a:pPr>
             <a:r>
               <a:rPr lang="en-US" dirty="0">
-                <a:latin typeface="Courier New" panose="02070309020205020404" pitchFamily="49" charset="0"/>
+                <a:latin typeface="Consolas" panose="020B0609020204030204" pitchFamily="49" charset="0"/>
                 <a:cs typeface="Courier New" panose="02070309020205020404" pitchFamily="49" charset="0"/>
               </a:rPr>
               <a:t>       u ← vertex in Q with min </a:t>
             </a:r>
             <a:r>
               <a:rPr lang="en-US" dirty="0" err="1">
-                <a:latin typeface="Courier New" panose="02070309020205020404" pitchFamily="49" charset="0"/>
+                <a:latin typeface="Consolas" panose="020B0609020204030204" pitchFamily="49" charset="0"/>
                 <a:cs typeface="Courier New" panose="02070309020205020404" pitchFamily="49" charset="0"/>
               </a:rPr>
               <a:t>dist</a:t>
             </a:r>
             <a:r>
               <a:rPr lang="en-US" dirty="0">
-                <a:latin typeface="Courier New" panose="02070309020205020404" pitchFamily="49" charset="0"/>
+                <a:latin typeface="Consolas" panose="020B0609020204030204" pitchFamily="49" charset="0"/>
                 <a:cs typeface="Courier New" panose="02070309020205020404" pitchFamily="49" charset="0"/>
               </a:rPr>
               <a:t>[u]    // Source node will be selected first</a:t>
@@ -37551,7 +37562,7 @@
             </a:pPr>
             <a:r>
               <a:rPr lang="en-US" dirty="0">
-                <a:latin typeface="Courier New" panose="02070309020205020404" pitchFamily="49" charset="0"/>
+                <a:latin typeface="Consolas" panose="020B0609020204030204" pitchFamily="49" charset="0"/>
                 <a:cs typeface="Courier New" panose="02070309020205020404" pitchFamily="49" charset="0"/>
               </a:rPr>
               <a:t>        remove u from Q </a:t>
@@ -37563,7 +37574,7 @@
             </a:pPr>
             <a:r>
               <a:rPr lang="en-US" dirty="0">
-                <a:latin typeface="Courier New" panose="02070309020205020404" pitchFamily="49" charset="0"/>
+                <a:latin typeface="Consolas" panose="020B0609020204030204" pitchFamily="49" charset="0"/>
                 <a:cs typeface="Courier New" panose="02070309020205020404" pitchFamily="49" charset="0"/>
               </a:rPr>
               <a:t>        </a:t>
@@ -37575,7 +37586,7 @@
             </a:pPr>
             <a:r>
               <a:rPr lang="en-US" dirty="0">
-                <a:latin typeface="Courier New" panose="02070309020205020404" pitchFamily="49" charset="0"/>
+                <a:latin typeface="Consolas" panose="020B0609020204030204" pitchFamily="49" charset="0"/>
                 <a:cs typeface="Courier New" panose="02070309020205020404" pitchFamily="49" charset="0"/>
               </a:rPr>
               <a:t>       for each neighbor v of u:           // where v is still in Q.</a:t>
@@ -37587,21 +37598,21 @@
             </a:pPr>
             <a:r>
               <a:rPr lang="en-US" dirty="0">
-                <a:latin typeface="Courier New" panose="02070309020205020404" pitchFamily="49" charset="0"/>
+                <a:latin typeface="Consolas" panose="020B0609020204030204" pitchFamily="49" charset="0"/>
                 <a:cs typeface="Courier New" panose="02070309020205020404" pitchFamily="49" charset="0"/>
               </a:rPr>
               <a:t>           alt ← </a:t>
             </a:r>
             <a:r>
               <a:rPr lang="en-US" dirty="0" err="1">
-                <a:latin typeface="Courier New" panose="02070309020205020404" pitchFamily="49" charset="0"/>
+                <a:latin typeface="Consolas" panose="020B0609020204030204" pitchFamily="49" charset="0"/>
                 <a:cs typeface="Courier New" panose="02070309020205020404" pitchFamily="49" charset="0"/>
               </a:rPr>
               <a:t>dist</a:t>
             </a:r>
             <a:r>
               <a:rPr lang="en-US" dirty="0">
-                <a:latin typeface="Courier New" panose="02070309020205020404" pitchFamily="49" charset="0"/>
+                <a:latin typeface="Consolas" panose="020B0609020204030204" pitchFamily="49" charset="0"/>
                 <a:cs typeface="Courier New" panose="02070309020205020404" pitchFamily="49" charset="0"/>
               </a:rPr>
               <a:t>[u] + length(u, v)</a:t>
@@ -37613,21 +37624,21 @@
             </a:pPr>
             <a:r>
               <a:rPr lang="en-US" dirty="0">
-                <a:latin typeface="Courier New" panose="02070309020205020404" pitchFamily="49" charset="0"/>
+                <a:latin typeface="Consolas" panose="020B0609020204030204" pitchFamily="49" charset="0"/>
                 <a:cs typeface="Courier New" panose="02070309020205020404" pitchFamily="49" charset="0"/>
               </a:rPr>
               <a:t>           if alt &lt; </a:t>
             </a:r>
             <a:r>
               <a:rPr lang="en-US" dirty="0" err="1">
-                <a:latin typeface="Courier New" panose="02070309020205020404" pitchFamily="49" charset="0"/>
+                <a:latin typeface="Consolas" panose="020B0609020204030204" pitchFamily="49" charset="0"/>
                 <a:cs typeface="Courier New" panose="02070309020205020404" pitchFamily="49" charset="0"/>
               </a:rPr>
               <a:t>dist</a:t>
             </a:r>
             <a:r>
               <a:rPr lang="en-US" dirty="0">
-                <a:latin typeface="Courier New" panose="02070309020205020404" pitchFamily="49" charset="0"/>
+                <a:latin typeface="Consolas" panose="020B0609020204030204" pitchFamily="49" charset="0"/>
                 <a:cs typeface="Courier New" panose="02070309020205020404" pitchFamily="49" charset="0"/>
               </a:rPr>
               <a:t>[v]:               // A shorter path to v has been found</a:t>
@@ -37639,21 +37650,21 @@
             </a:pPr>
             <a:r>
               <a:rPr lang="en-US" dirty="0">
-                <a:latin typeface="Courier New" panose="02070309020205020404" pitchFamily="49" charset="0"/>
+                <a:latin typeface="Consolas" panose="020B0609020204030204" pitchFamily="49" charset="0"/>
                 <a:cs typeface="Courier New" panose="02070309020205020404" pitchFamily="49" charset="0"/>
               </a:rPr>
               <a:t>               </a:t>
             </a:r>
             <a:r>
               <a:rPr lang="en-US" dirty="0" err="1">
-                <a:latin typeface="Courier New" panose="02070309020205020404" pitchFamily="49" charset="0"/>
+                <a:latin typeface="Consolas" panose="020B0609020204030204" pitchFamily="49" charset="0"/>
                 <a:cs typeface="Courier New" panose="02070309020205020404" pitchFamily="49" charset="0"/>
               </a:rPr>
               <a:t>dist</a:t>
             </a:r>
             <a:r>
               <a:rPr lang="en-US" dirty="0">
-                <a:latin typeface="Courier New" panose="02070309020205020404" pitchFamily="49" charset="0"/>
+                <a:latin typeface="Consolas" panose="020B0609020204030204" pitchFamily="49" charset="0"/>
                 <a:cs typeface="Courier New" panose="02070309020205020404" pitchFamily="49" charset="0"/>
               </a:rPr>
               <a:t>[v] ← alt </a:t>
@@ -37665,21 +37676,21 @@
             </a:pPr>
             <a:r>
               <a:rPr lang="en-US" dirty="0">
-                <a:latin typeface="Courier New" panose="02070309020205020404" pitchFamily="49" charset="0"/>
+                <a:latin typeface="Consolas" panose="020B0609020204030204" pitchFamily="49" charset="0"/>
                 <a:cs typeface="Courier New" panose="02070309020205020404" pitchFamily="49" charset="0"/>
               </a:rPr>
               <a:t>               </a:t>
             </a:r>
             <a:r>
               <a:rPr lang="en-US" dirty="0" err="1">
-                <a:latin typeface="Courier New" panose="02070309020205020404" pitchFamily="49" charset="0"/>
+                <a:latin typeface="Consolas" panose="020B0609020204030204" pitchFamily="49" charset="0"/>
                 <a:cs typeface="Courier New" panose="02070309020205020404" pitchFamily="49" charset="0"/>
               </a:rPr>
               <a:t>prev</a:t>
             </a:r>
             <a:r>
               <a:rPr lang="en-US" dirty="0">
-                <a:latin typeface="Courier New" panose="02070309020205020404" pitchFamily="49" charset="0"/>
+                <a:latin typeface="Consolas" panose="020B0609020204030204" pitchFamily="49" charset="0"/>
                 <a:cs typeface="Courier New" panose="02070309020205020404" pitchFamily="49" charset="0"/>
               </a:rPr>
               <a:t>[v] ← u </a:t>
@@ -37691,41 +37702,41 @@
             </a:pPr>
             <a:r>
               <a:rPr lang="en-US" dirty="0">
-                <a:latin typeface="Courier New" panose="02070309020205020404" pitchFamily="49" charset="0"/>
+                <a:latin typeface="Consolas" panose="020B0609020204030204" pitchFamily="49" charset="0"/>
                 <a:cs typeface="Courier New" panose="02070309020205020404" pitchFamily="49" charset="0"/>
               </a:rPr>
               <a:t>    return </a:t>
             </a:r>
             <a:r>
               <a:rPr lang="en-US" dirty="0" err="1">
-                <a:latin typeface="Courier New" panose="02070309020205020404" pitchFamily="49" charset="0"/>
+                <a:latin typeface="Consolas" panose="020B0609020204030204" pitchFamily="49" charset="0"/>
                 <a:cs typeface="Courier New" panose="02070309020205020404" pitchFamily="49" charset="0"/>
               </a:rPr>
               <a:t>dist</a:t>
             </a:r>
             <a:r>
               <a:rPr lang="en-US" dirty="0">
-                <a:latin typeface="Courier New" panose="02070309020205020404" pitchFamily="49" charset="0"/>
+                <a:latin typeface="Consolas" panose="020B0609020204030204" pitchFamily="49" charset="0"/>
                 <a:cs typeface="Courier New" panose="02070309020205020404" pitchFamily="49" charset="0"/>
               </a:rPr>
               <a:t>[], </a:t>
             </a:r>
             <a:r>
               <a:rPr lang="en-US" dirty="0" err="1">
-                <a:latin typeface="Courier New" panose="02070309020205020404" pitchFamily="49" charset="0"/>
+                <a:latin typeface="Consolas" panose="020B0609020204030204" pitchFamily="49" charset="0"/>
                 <a:cs typeface="Courier New" panose="02070309020205020404" pitchFamily="49" charset="0"/>
               </a:rPr>
               <a:t>prev</a:t>
             </a:r>
             <a:r>
               <a:rPr lang="en-US" dirty="0">
-                <a:latin typeface="Courier New" panose="02070309020205020404" pitchFamily="49" charset="0"/>
+                <a:latin typeface="Consolas" panose="020B0609020204030204" pitchFamily="49" charset="0"/>
                 <a:cs typeface="Courier New" panose="02070309020205020404" pitchFamily="49" charset="0"/>
               </a:rPr>
               <a:t>[]</a:t>
             </a:r>
             <a:endParaRPr lang="it-IT" dirty="0">
-              <a:latin typeface="Courier New" panose="02070309020205020404" pitchFamily="49" charset="0"/>
+              <a:latin typeface="Consolas" panose="020B0609020204030204" pitchFamily="49" charset="0"/>
               <a:cs typeface="Courier New" panose="02070309020205020404" pitchFamily="49" charset="0"/>
             </a:endParaRPr>
           </a:p>

--- a/Slides/Unit 5 - Graphs.pptx
+++ b/Slides/Unit 5 - Graphs.pptx
@@ -13482,6 +13482,11 @@
             <a:off x="677334" y="1237129"/>
             <a:ext cx="8596668" cy="4804233"/>
           </a:xfrm>
+          <a:ln>
+            <a:solidFill>
+              <a:schemeClr val="tx1"/>
+            </a:solidFill>
+          </a:ln>
         </p:spPr>
         <p:txBody>
           <a:bodyPr>
@@ -13506,21 +13511,21 @@
             </a:br>
             <a:r>
               <a:rPr lang="en-US" sz="1600" dirty="0">
-                <a:latin typeface="Courier New" panose="02070309020205020404" pitchFamily="49" charset="0"/>
+                <a:latin typeface="Consolas" panose="020B0609020204030204" pitchFamily="49" charset="0"/>
                 <a:cs typeface="Courier New" panose="02070309020205020404" pitchFamily="49" charset="0"/>
               </a:rPr>
               <a:t>procedure DFS(</a:t>
             </a:r>
             <a:r>
               <a:rPr lang="en-US" sz="1600" dirty="0" err="1">
-                <a:latin typeface="Courier New" panose="02070309020205020404" pitchFamily="49" charset="0"/>
+                <a:latin typeface="Consolas" panose="020B0609020204030204" pitchFamily="49" charset="0"/>
                 <a:cs typeface="Courier New" panose="02070309020205020404" pitchFamily="49" charset="0"/>
               </a:rPr>
               <a:t>G,v</a:t>
             </a:r>
             <a:r>
               <a:rPr lang="en-US" sz="1600" dirty="0">
-                <a:latin typeface="Courier New" panose="02070309020205020404" pitchFamily="49" charset="0"/>
+                <a:latin typeface="Consolas" panose="020B0609020204030204" pitchFamily="49" charset="0"/>
                 <a:cs typeface="Courier New" panose="02070309020205020404" pitchFamily="49" charset="0"/>
               </a:rPr>
               <a:t>):</a:t>
@@ -13532,7 +13537,7 @@
             </a:pPr>
             <a:r>
               <a:rPr lang="en-US" sz="1600" dirty="0">
-                <a:latin typeface="Courier New" panose="02070309020205020404" pitchFamily="49" charset="0"/>
+                <a:latin typeface="Consolas" panose="020B0609020204030204" pitchFamily="49" charset="0"/>
                 <a:cs typeface="Courier New" panose="02070309020205020404" pitchFamily="49" charset="0"/>
               </a:rPr>
               <a:t>     label v as discovered</a:t>
@@ -13544,21 +13549,21 @@
             </a:pPr>
             <a:r>
               <a:rPr lang="en-US" sz="1600" dirty="0">
-                <a:latin typeface="Courier New" panose="02070309020205020404" pitchFamily="49" charset="0"/>
+                <a:latin typeface="Consolas" panose="020B0609020204030204" pitchFamily="49" charset="0"/>
                 <a:cs typeface="Courier New" panose="02070309020205020404" pitchFamily="49" charset="0"/>
               </a:rPr>
               <a:t>     for all edges from v to w in </a:t>
             </a:r>
             <a:r>
               <a:rPr lang="en-US" sz="1600" dirty="0" err="1">
-                <a:latin typeface="Courier New" panose="02070309020205020404" pitchFamily="49" charset="0"/>
+                <a:latin typeface="Consolas" panose="020B0609020204030204" pitchFamily="49" charset="0"/>
                 <a:cs typeface="Courier New" panose="02070309020205020404" pitchFamily="49" charset="0"/>
               </a:rPr>
               <a:t>G.adjacentEdges</a:t>
             </a:r>
             <a:r>
               <a:rPr lang="en-US" sz="1600" dirty="0">
-                <a:latin typeface="Courier New" panose="02070309020205020404" pitchFamily="49" charset="0"/>
+                <a:latin typeface="Consolas" panose="020B0609020204030204" pitchFamily="49" charset="0"/>
                 <a:cs typeface="Courier New" panose="02070309020205020404" pitchFamily="49" charset="0"/>
               </a:rPr>
               <a:t>(v) do</a:t>
@@ -13570,7 +13575,7 @@
             </a:pPr>
             <a:r>
               <a:rPr lang="en-US" sz="1600" dirty="0">
-                <a:latin typeface="Courier New" panose="02070309020205020404" pitchFamily="49" charset="0"/>
+                <a:latin typeface="Consolas" panose="020B0609020204030204" pitchFamily="49" charset="0"/>
                 <a:cs typeface="Courier New" panose="02070309020205020404" pitchFamily="49" charset="0"/>
               </a:rPr>
               <a:t>        if vertex w is not labeled as discovered then</a:t>
@@ -13582,27 +13587,27 @@
             </a:pPr>
             <a:r>
               <a:rPr lang="en-US" sz="1600" dirty="0">
-                <a:latin typeface="Courier New" panose="02070309020205020404" pitchFamily="49" charset="0"/>
+                <a:latin typeface="Consolas" panose="020B0609020204030204" pitchFamily="49" charset="0"/>
                 <a:cs typeface="Courier New" panose="02070309020205020404" pitchFamily="49" charset="0"/>
               </a:rPr>
               <a:t>        recursively call DFS(</a:t>
             </a:r>
             <a:r>
               <a:rPr lang="en-US" sz="1600" dirty="0" err="1">
-                <a:latin typeface="Courier New" panose="02070309020205020404" pitchFamily="49" charset="0"/>
+                <a:latin typeface="Consolas" panose="020B0609020204030204" pitchFamily="49" charset="0"/>
                 <a:cs typeface="Courier New" panose="02070309020205020404" pitchFamily="49" charset="0"/>
               </a:rPr>
               <a:t>G,w</a:t>
             </a:r>
             <a:r>
               <a:rPr lang="en-US" sz="1600" dirty="0">
-                <a:latin typeface="Courier New" panose="02070309020205020404" pitchFamily="49" charset="0"/>
+                <a:latin typeface="Consolas" panose="020B0609020204030204" pitchFamily="49" charset="0"/>
                 <a:cs typeface="Courier New" panose="02070309020205020404" pitchFamily="49" charset="0"/>
               </a:rPr>
               <a:t>)</a:t>
             </a:r>
             <a:endParaRPr lang="it-IT" sz="1600" dirty="0">
-              <a:latin typeface="Courier New" panose="02070309020205020404" pitchFamily="49" charset="0"/>
+              <a:latin typeface="Consolas" panose="020B0609020204030204" pitchFamily="49" charset="0"/>
               <a:cs typeface="Courier New" panose="02070309020205020404" pitchFamily="49" charset="0"/>
             </a:endParaRPr>
           </a:p>
@@ -38800,47 +38805,6 @@
           </a:p>
         </p:txBody>
       </p:sp>
-      <p:pic>
-        <p:nvPicPr>
-          <p:cNvPr id="1026" name="Picture 2" descr="http://www.hov-haaksbergen.nl/wp-content/uploads/2014/12/Prettige-feestdagen.jpg"/>
-          <p:cNvPicPr>
-            <a:picLocks noChangeAspect="1" noChangeArrowheads="1"/>
-          </p:cNvPicPr>
-          <p:nvPr/>
-        </p:nvPicPr>
-        <p:blipFill>
-          <a:blip r:embed="rId2">
-            <a:extLst>
-              <a:ext uri="{28A0092B-C50C-407E-A947-70E740481C1C}">
-                <a14:useLocalDpi xmlns:a14="http://schemas.microsoft.com/office/drawing/2010/main" val="0"/>
-              </a:ext>
-            </a:extLst>
-          </a:blip>
-          <a:srcRect/>
-          <a:stretch>
-            <a:fillRect/>
-          </a:stretch>
-        </p:blipFill>
-        <p:spPr bwMode="auto">
-          <a:xfrm>
-            <a:off x="4442316" y="247300"/>
-            <a:ext cx="4172615" cy="2045399"/>
-          </a:xfrm>
-          <a:prstGeom prst="rect">
-            <a:avLst/>
-          </a:prstGeom>
-          <a:noFill/>
-          <a:extLst>
-            <a:ext uri="{909E8E84-426E-40DD-AFC4-6F175D3DCCD1}">
-              <a14:hiddenFill xmlns:a14="http://schemas.microsoft.com/office/drawing/2010/main">
-                <a:solidFill>
-                  <a:srgbClr val="FFFFFF"/>
-                </a:solidFill>
-              </a14:hiddenFill>
-            </a:ext>
-          </a:extLst>
-        </p:spPr>
-      </p:pic>
     </p:spTree>
     <p:extLst>
       <p:ext uri="{BB962C8B-B14F-4D97-AF65-F5344CB8AC3E}">
@@ -41464,7 +41428,7 @@
                   </a:extLst>
                 </a:gridCol>
               </a:tblGrid>
-              <a:tr h="0">
+              <a:tr h="365760">
                 <a:tc>
                   <a:txBody>
                     <a:bodyPr/>
@@ -41639,7 +41603,7 @@
                   </a:ext>
                 </a:extLst>
               </a:tr>
-              <a:tr h="0">
+              <a:tr h="365760">
                 <a:tc>
                   <a:txBody>
                     <a:bodyPr/>
@@ -41817,7 +41781,7 @@
                   </a:ext>
                 </a:extLst>
               </a:tr>
-              <a:tr h="0">
+              <a:tr h="365760">
                 <a:tc>
                   <a:txBody>
                     <a:bodyPr/>
